--- a/E91 Quantum Key Distribution Network.pptx
+++ b/E91 Quantum Key Distribution Network.pptx
@@ -11,8 +11,9 @@
     <p:sldId id="259" r:id="rId5"/>
     <p:sldId id="258" r:id="rId6"/>
     <p:sldId id="264" r:id="rId7"/>
-    <p:sldId id="260" r:id="rId8"/>
-    <p:sldId id="263" r:id="rId9"/>
+    <p:sldId id="262" r:id="rId8"/>
+    <p:sldId id="260" r:id="rId9"/>
+    <p:sldId id="263" r:id="rId10"/>
   </p:sldIdLst>
   <p:sldSz cx="12192000" cy="6858000"/>
   <p:notesSz cx="6858000" cy="9144000"/>
@@ -6434,6 +6435,89 @@
           <p:cNvPr id="2" name="Title 1">
             <a:extLst>
               <a:ext uri="{FF2B5EF4-FFF2-40B4-BE49-F238E27FC236}">
+                <a16:creationId xmlns:a16="http://schemas.microsoft.com/office/drawing/2014/main" id="{F1757889-242B-47B1-B9A0-E5820DE47668}"/>
+              </a:ext>
+            </a:extLst>
+          </p:cNvPr>
+          <p:cNvSpPr>
+            <a:spLocks noGrp="1"/>
+          </p:cNvSpPr>
+          <p:nvPr>
+            <p:ph type="title"/>
+          </p:nvPr>
+        </p:nvSpPr>
+        <p:spPr/>
+        <p:txBody>
+          <a:bodyPr/>
+          <a:lstStyle/>
+          <a:p>
+            <a:r>
+              <a:rPr lang="en-US" dirty="0"/>
+              <a:t>Analysis</a:t>
+            </a:r>
+          </a:p>
+        </p:txBody>
+      </p:sp>
+      <p:sp>
+        <p:nvSpPr>
+          <p:cNvPr id="3" name="Content Placeholder 2">
+            <a:extLst>
+              <a:ext uri="{FF2B5EF4-FFF2-40B4-BE49-F238E27FC236}">
+                <a16:creationId xmlns:a16="http://schemas.microsoft.com/office/drawing/2014/main" id="{E2792EEB-3350-4C2C-930D-0E5433756280}"/>
+              </a:ext>
+            </a:extLst>
+          </p:cNvPr>
+          <p:cNvSpPr>
+            <a:spLocks noGrp="1"/>
+          </p:cNvSpPr>
+          <p:nvPr>
+            <p:ph idx="1"/>
+          </p:nvPr>
+        </p:nvSpPr>
+        <p:spPr/>
+        <p:txBody>
+          <a:bodyPr/>
+          <a:lstStyle/>
+          <a:p>
+            <a:endParaRPr lang="en-US" dirty="0"/>
+          </a:p>
+        </p:txBody>
+      </p:sp>
+    </p:spTree>
+    <p:extLst>
+      <p:ext uri="{BB962C8B-B14F-4D97-AF65-F5344CB8AC3E}">
+        <p14:creationId xmlns:p14="http://schemas.microsoft.com/office/powerpoint/2010/main" val="321253503"/>
+      </p:ext>
+    </p:extLst>
+  </p:cSld>
+  <p:clrMapOvr>
+    <a:masterClrMapping/>
+  </p:clrMapOvr>
+</p:sld>
+</file>
+
+<file path=ppt/slides/slide8.xml><?xml version="1.0" encoding="utf-8"?>
+<p:sld xmlns:a="http://schemas.openxmlformats.org/drawingml/2006/main" xmlns:r="http://schemas.openxmlformats.org/officeDocument/2006/relationships" xmlns:p="http://schemas.openxmlformats.org/presentationml/2006/main">
+  <p:cSld>
+    <p:spTree>
+      <p:nvGrpSpPr>
+        <p:cNvPr id="1" name=""/>
+        <p:cNvGrpSpPr/>
+        <p:nvPr/>
+      </p:nvGrpSpPr>
+      <p:grpSpPr>
+        <a:xfrm>
+          <a:off x="0" y="0"/>
+          <a:ext cx="0" cy="0"/>
+          <a:chOff x="0" y="0"/>
+          <a:chExt cx="0" cy="0"/>
+        </a:xfrm>
+      </p:grpSpPr>
+      <p:sp>
+        <p:nvSpPr>
+          <p:cNvPr id="2" name="Title 1">
+            <a:extLst>
+              <a:ext uri="{FF2B5EF4-FFF2-40B4-BE49-F238E27FC236}">
                 <a16:creationId xmlns:a16="http://schemas.microsoft.com/office/drawing/2014/main" id="{FA7227B2-F95A-4E4E-9ACF-17914F319CCE}"/>
               </a:ext>
             </a:extLst>
@@ -6531,7 +6615,7 @@
 </p:sld>
 </file>
 
-<file path=ppt/slides/slide8.xml><?xml version="1.0" encoding="utf-8"?>
+<file path=ppt/slides/slide9.xml><?xml version="1.0" encoding="utf-8"?>
 <p:sld xmlns:a="http://schemas.openxmlformats.org/drawingml/2006/main" xmlns:r="http://schemas.openxmlformats.org/officeDocument/2006/relationships" xmlns:p="http://schemas.openxmlformats.org/presentationml/2006/main">
   <p:cSld>
     <p:spTree>

--- a/E91 Quantum Key Distribution Network.pptx
+++ b/E91 Quantum Key Distribution Network.pptx
@@ -11,9 +11,8 @@
     <p:sldId id="259" r:id="rId5"/>
     <p:sldId id="258" r:id="rId6"/>
     <p:sldId id="264" r:id="rId7"/>
-    <p:sldId id="262" r:id="rId8"/>
-    <p:sldId id="260" r:id="rId9"/>
-    <p:sldId id="263" r:id="rId10"/>
+    <p:sldId id="260" r:id="rId8"/>
+    <p:sldId id="263" r:id="rId9"/>
   </p:sldIdLst>
   <p:sldSz cx="12192000" cy="6858000"/>
   <p:notesSz cx="6858000" cy="9144000"/>
@@ -6435,89 +6434,6 @@
           <p:cNvPr id="2" name="Title 1">
             <a:extLst>
               <a:ext uri="{FF2B5EF4-FFF2-40B4-BE49-F238E27FC236}">
-                <a16:creationId xmlns:a16="http://schemas.microsoft.com/office/drawing/2014/main" id="{F1757889-242B-47B1-B9A0-E5820DE47668}"/>
-              </a:ext>
-            </a:extLst>
-          </p:cNvPr>
-          <p:cNvSpPr>
-            <a:spLocks noGrp="1"/>
-          </p:cNvSpPr>
-          <p:nvPr>
-            <p:ph type="title"/>
-          </p:nvPr>
-        </p:nvSpPr>
-        <p:spPr/>
-        <p:txBody>
-          <a:bodyPr/>
-          <a:lstStyle/>
-          <a:p>
-            <a:r>
-              <a:rPr lang="en-US" dirty="0"/>
-              <a:t>Analysis</a:t>
-            </a:r>
-          </a:p>
-        </p:txBody>
-      </p:sp>
-      <p:sp>
-        <p:nvSpPr>
-          <p:cNvPr id="3" name="Content Placeholder 2">
-            <a:extLst>
-              <a:ext uri="{FF2B5EF4-FFF2-40B4-BE49-F238E27FC236}">
-                <a16:creationId xmlns:a16="http://schemas.microsoft.com/office/drawing/2014/main" id="{E2792EEB-3350-4C2C-930D-0E5433756280}"/>
-              </a:ext>
-            </a:extLst>
-          </p:cNvPr>
-          <p:cNvSpPr>
-            <a:spLocks noGrp="1"/>
-          </p:cNvSpPr>
-          <p:nvPr>
-            <p:ph idx="1"/>
-          </p:nvPr>
-        </p:nvSpPr>
-        <p:spPr/>
-        <p:txBody>
-          <a:bodyPr/>
-          <a:lstStyle/>
-          <a:p>
-            <a:endParaRPr lang="en-US" dirty="0"/>
-          </a:p>
-        </p:txBody>
-      </p:sp>
-    </p:spTree>
-    <p:extLst>
-      <p:ext uri="{BB962C8B-B14F-4D97-AF65-F5344CB8AC3E}">
-        <p14:creationId xmlns:p14="http://schemas.microsoft.com/office/powerpoint/2010/main" val="321253503"/>
-      </p:ext>
-    </p:extLst>
-  </p:cSld>
-  <p:clrMapOvr>
-    <a:masterClrMapping/>
-  </p:clrMapOvr>
-</p:sld>
-</file>
-
-<file path=ppt/slides/slide8.xml><?xml version="1.0" encoding="utf-8"?>
-<p:sld xmlns:a="http://schemas.openxmlformats.org/drawingml/2006/main" xmlns:r="http://schemas.openxmlformats.org/officeDocument/2006/relationships" xmlns:p="http://schemas.openxmlformats.org/presentationml/2006/main">
-  <p:cSld>
-    <p:spTree>
-      <p:nvGrpSpPr>
-        <p:cNvPr id="1" name=""/>
-        <p:cNvGrpSpPr/>
-        <p:nvPr/>
-      </p:nvGrpSpPr>
-      <p:grpSpPr>
-        <a:xfrm>
-          <a:off x="0" y="0"/>
-          <a:ext cx="0" cy="0"/>
-          <a:chOff x="0" y="0"/>
-          <a:chExt cx="0" cy="0"/>
-        </a:xfrm>
-      </p:grpSpPr>
-      <p:sp>
-        <p:nvSpPr>
-          <p:cNvPr id="2" name="Title 1">
-            <a:extLst>
-              <a:ext uri="{FF2B5EF4-FFF2-40B4-BE49-F238E27FC236}">
                 <a16:creationId xmlns:a16="http://schemas.microsoft.com/office/drawing/2014/main" id="{FA7227B2-F95A-4E4E-9ACF-17914F319CCE}"/>
               </a:ext>
             </a:extLst>
@@ -6615,7 +6531,7 @@
 </p:sld>
 </file>
 
-<file path=ppt/slides/slide9.xml><?xml version="1.0" encoding="utf-8"?>
+<file path=ppt/slides/slide8.xml><?xml version="1.0" encoding="utf-8"?>
 <p:sld xmlns:a="http://schemas.openxmlformats.org/drawingml/2006/main" xmlns:r="http://schemas.openxmlformats.org/officeDocument/2006/relationships" xmlns:p="http://schemas.openxmlformats.org/presentationml/2006/main">
   <p:cSld>
     <p:spTree>
